--- a/ppt/Python06-Exceptions.pptx
+++ b/ppt/Python06-Exceptions.pptx
@@ -5,10 +5,10 @@
     <p:sldMasterId id="2147483653" r:id="rId1"/>
   </p:sldMasterIdLst>
   <p:notesMasterIdLst>
-    <p:notesMasterId r:id="rId13"/>
+    <p:notesMasterId r:id="rId12"/>
   </p:notesMasterIdLst>
   <p:handoutMasterIdLst>
-    <p:handoutMasterId r:id="rId14"/>
+    <p:handoutMasterId r:id="rId13"/>
   </p:handoutMasterIdLst>
   <p:sldIdLst>
     <p:sldId id="264" r:id="rId2"/>
@@ -20,8 +20,7 @@
     <p:sldId id="270" r:id="rId8"/>
     <p:sldId id="271" r:id="rId9"/>
     <p:sldId id="272" r:id="rId10"/>
-    <p:sldId id="273" r:id="rId11"/>
-    <p:sldId id="274" r:id="rId12"/>
+    <p:sldId id="274" r:id="rId11"/>
   </p:sldIdLst>
   <p:sldSz cx="9144000" cy="6858000" type="screen4x3"/>
   <p:notesSz cx="6648450" cy="9782175"/>
@@ -3801,386 +3800,6 @@
           <a:p>
             <a:r>
               <a:rPr lang="fr-FR" dirty="0" smtClean="0"/>
-              <a:t>Créer sa propre exception</a:t>
-            </a:r>
-            <a:endParaRPr lang="fr-FR" dirty="0"/>
-          </a:p>
-        </p:txBody>
-      </p:sp>
-      <p:sp>
-        <p:nvSpPr>
-          <p:cNvPr id="3" name="Espace réservé du contenu 2"/>
-          <p:cNvSpPr>
-            <a:spLocks noGrp="1"/>
-          </p:cNvSpPr>
-          <p:nvPr>
-            <p:ph idx="1"/>
-          </p:nvPr>
-        </p:nvSpPr>
-        <p:spPr/>
-        <p:txBody>
-          <a:bodyPr/>
-          <a:lstStyle/>
-          <a:p>
-            <a:pPr eaLnBrk="1" hangingPunct="1"/>
-            <a:r>
-              <a:rPr lang="fr-BE" altLang="fr-FR" dirty="0"/>
-              <a:t>Il suffit d’affecter une chaîne de caractères à une variable… </a:t>
-            </a:r>
-          </a:p>
-          <a:p>
-            <a:pPr marL="0" indent="0" eaLnBrk="1" hangingPunct="1">
-              <a:buNone/>
-            </a:pPr>
-            <a:r>
-              <a:rPr lang="fr-BE" altLang="fr-FR" dirty="0">
-                <a:solidFill>
-                  <a:schemeClr val="accent2"/>
-                </a:solidFill>
-              </a:rPr>
-              <a:t> </a:t>
-            </a:r>
-            <a:r>
-              <a:rPr lang="fr-BE" altLang="fr-FR" dirty="0" smtClean="0">
-                <a:solidFill>
-                  <a:schemeClr val="accent2"/>
-                </a:solidFill>
-              </a:rPr>
-              <a:t>       </a:t>
-            </a:r>
-            <a:r>
-              <a:rPr lang="fr-BE" altLang="fr-FR" sz="2400" dirty="0" err="1" smtClean="0">
-                <a:solidFill>
-                  <a:schemeClr val="accent2"/>
-                </a:solidFill>
-              </a:rPr>
-              <a:t>MonErreur</a:t>
-            </a:r>
-            <a:r>
-              <a:rPr lang="fr-BE" altLang="fr-FR" sz="2400" dirty="0" smtClean="0">
-                <a:solidFill>
-                  <a:schemeClr val="accent2"/>
-                </a:solidFill>
-              </a:rPr>
-              <a:t> </a:t>
-            </a:r>
-            <a:r>
-              <a:rPr lang="fr-BE" altLang="fr-FR" sz="2400" dirty="0">
-                <a:solidFill>
-                  <a:schemeClr val="accent2"/>
-                </a:solidFill>
-              </a:rPr>
-              <a:t>= « Une erreur »</a:t>
-            </a:r>
-          </a:p>
-          <a:p>
-            <a:pPr marL="0" indent="0" eaLnBrk="1" hangingPunct="1">
-              <a:buNone/>
-            </a:pPr>
-            <a:r>
-              <a:rPr lang="fr-BE" altLang="fr-FR" sz="2400" dirty="0">
-                <a:solidFill>
-                  <a:schemeClr val="accent2"/>
-                </a:solidFill>
-              </a:rPr>
-              <a:t>        </a:t>
-            </a:r>
-            <a:r>
-              <a:rPr lang="fr-BE" altLang="fr-FR" sz="2400" dirty="0" err="1">
-                <a:solidFill>
-                  <a:schemeClr val="accent2"/>
-                </a:solidFill>
-              </a:rPr>
-              <a:t>def</a:t>
-            </a:r>
-            <a:r>
-              <a:rPr lang="fr-BE" altLang="fr-FR" sz="2400" dirty="0">
-                <a:solidFill>
-                  <a:schemeClr val="accent2"/>
-                </a:solidFill>
-              </a:rPr>
-              <a:t> </a:t>
-            </a:r>
-            <a:r>
-              <a:rPr lang="fr-BE" altLang="fr-FR" sz="2400" dirty="0" err="1">
-                <a:solidFill>
-                  <a:schemeClr val="accent2"/>
-                </a:solidFill>
-              </a:rPr>
-              <a:t>mafunc</a:t>
-            </a:r>
-            <a:r>
-              <a:rPr lang="fr-BE" altLang="fr-FR" sz="2400" dirty="0">
-                <a:solidFill>
-                  <a:schemeClr val="accent2"/>
-                </a:solidFill>
-              </a:rPr>
-              <a:t>() : </a:t>
-            </a:r>
-          </a:p>
-          <a:p>
-            <a:pPr marL="0" indent="0" eaLnBrk="1" hangingPunct="1">
-              <a:buNone/>
-            </a:pPr>
-            <a:r>
-              <a:rPr lang="fr-BE" altLang="fr-FR" sz="2400" dirty="0">
-                <a:solidFill>
-                  <a:schemeClr val="accent2"/>
-                </a:solidFill>
-              </a:rPr>
-              <a:t>                  </a:t>
-            </a:r>
-            <a:r>
-              <a:rPr lang="fr-BE" altLang="fr-FR" sz="2400" dirty="0" err="1">
-                <a:solidFill>
-                  <a:schemeClr val="accent2"/>
-                </a:solidFill>
-              </a:rPr>
-              <a:t>raise</a:t>
-            </a:r>
-            <a:r>
-              <a:rPr lang="fr-BE" altLang="fr-FR" sz="2400" dirty="0">
-                <a:solidFill>
-                  <a:schemeClr val="accent2"/>
-                </a:solidFill>
-              </a:rPr>
-              <a:t> </a:t>
-            </a:r>
-            <a:r>
-              <a:rPr lang="fr-BE" altLang="fr-FR" sz="2400" dirty="0" err="1">
-                <a:solidFill>
-                  <a:schemeClr val="accent2"/>
-                </a:solidFill>
-              </a:rPr>
-              <a:t>MonErreur</a:t>
-            </a:r>
-            <a:r>
-              <a:rPr lang="fr-BE" altLang="fr-FR" sz="2400" dirty="0">
-                <a:solidFill>
-                  <a:schemeClr val="accent2"/>
-                </a:solidFill>
-              </a:rPr>
-              <a:t>,  « survenue »</a:t>
-            </a:r>
-          </a:p>
-          <a:p>
-            <a:pPr marL="0" indent="0" eaLnBrk="1" hangingPunct="1">
-              <a:buNone/>
-            </a:pPr>
-            <a:r>
-              <a:rPr lang="fr-BE" altLang="fr-FR" sz="2400" dirty="0">
-                <a:solidFill>
-                  <a:schemeClr val="accent2"/>
-                </a:solidFill>
-              </a:rPr>
-              <a:t>        </a:t>
-            </a:r>
-            <a:r>
-              <a:rPr lang="fr-BE" altLang="fr-FR" sz="2400" dirty="0" err="1">
-                <a:solidFill>
-                  <a:schemeClr val="accent2"/>
-                </a:solidFill>
-              </a:rPr>
-              <a:t>try</a:t>
-            </a:r>
-            <a:r>
-              <a:rPr lang="fr-BE" altLang="fr-FR" sz="2400" dirty="0">
-                <a:solidFill>
-                  <a:schemeClr val="accent2"/>
-                </a:solidFill>
-              </a:rPr>
-              <a:t> : </a:t>
-            </a:r>
-          </a:p>
-          <a:p>
-            <a:pPr marL="0" indent="0" eaLnBrk="1" hangingPunct="1">
-              <a:buNone/>
-            </a:pPr>
-            <a:r>
-              <a:rPr lang="fr-BE" altLang="fr-FR" sz="2400" dirty="0">
-                <a:solidFill>
-                  <a:schemeClr val="accent2"/>
-                </a:solidFill>
-              </a:rPr>
-              <a:t>              </a:t>
-            </a:r>
-            <a:r>
-              <a:rPr lang="fr-BE" altLang="fr-FR" sz="2400" dirty="0" err="1">
-                <a:solidFill>
-                  <a:schemeClr val="accent2"/>
-                </a:solidFill>
-              </a:rPr>
-              <a:t>mafunc</a:t>
-            </a:r>
-            <a:r>
-              <a:rPr lang="fr-BE" altLang="fr-FR" sz="2400" dirty="0">
-                <a:solidFill>
-                  <a:schemeClr val="accent2"/>
-                </a:solidFill>
-              </a:rPr>
-              <a:t>()</a:t>
-            </a:r>
-          </a:p>
-          <a:p>
-            <a:pPr marL="0" indent="0" eaLnBrk="1" hangingPunct="1">
-              <a:buNone/>
-            </a:pPr>
-            <a:r>
-              <a:rPr lang="fr-BE" altLang="fr-FR" sz="2400" dirty="0">
-                <a:solidFill>
-                  <a:schemeClr val="accent2"/>
-                </a:solidFill>
-              </a:rPr>
-              <a:t>        </a:t>
-            </a:r>
-            <a:r>
-              <a:rPr lang="fr-BE" altLang="fr-FR" sz="2400" dirty="0" err="1">
-                <a:solidFill>
-                  <a:schemeClr val="accent2"/>
-                </a:solidFill>
-              </a:rPr>
-              <a:t>except</a:t>
-            </a:r>
-            <a:r>
-              <a:rPr lang="fr-BE" altLang="fr-FR" sz="2400" dirty="0">
-                <a:solidFill>
-                  <a:schemeClr val="accent2"/>
-                </a:solidFill>
-              </a:rPr>
-              <a:t> </a:t>
-            </a:r>
-            <a:r>
-              <a:rPr lang="fr-BE" altLang="fr-FR" sz="2400" dirty="0" err="1">
-                <a:solidFill>
-                  <a:schemeClr val="accent2"/>
-                </a:solidFill>
-              </a:rPr>
-              <a:t>MonErreur</a:t>
-            </a:r>
-            <a:r>
-              <a:rPr lang="fr-BE" altLang="fr-FR" sz="2400" dirty="0">
-                <a:solidFill>
-                  <a:schemeClr val="accent2"/>
-                </a:solidFill>
-              </a:rPr>
-              <a:t>, value : </a:t>
-            </a:r>
-          </a:p>
-          <a:p>
-            <a:pPr marL="0" indent="0" eaLnBrk="1" hangingPunct="1">
-              <a:buNone/>
-            </a:pPr>
-            <a:r>
-              <a:rPr lang="fr-BE" altLang="fr-FR" sz="2400" dirty="0">
-                <a:solidFill>
-                  <a:schemeClr val="accent2"/>
-                </a:solidFill>
-              </a:rPr>
-              <a:t>                    </a:t>
-            </a:r>
-            <a:r>
-              <a:rPr lang="fr-BE" altLang="fr-FR" sz="2400" dirty="0" err="1">
-                <a:solidFill>
-                  <a:schemeClr val="accent2"/>
-                </a:solidFill>
-              </a:rPr>
-              <a:t>print</a:t>
-            </a:r>
-            <a:r>
-              <a:rPr lang="fr-BE" altLang="fr-FR" sz="2400" dirty="0">
-                <a:solidFill>
-                  <a:schemeClr val="accent2"/>
-                </a:solidFill>
-              </a:rPr>
-              <a:t>  </a:t>
-            </a:r>
-            <a:r>
-              <a:rPr lang="fr-BE" altLang="fr-FR" sz="2400" dirty="0" smtClean="0">
-                <a:solidFill>
-                  <a:schemeClr val="accent2"/>
-                </a:solidFill>
-              </a:rPr>
-              <a:t>« </a:t>
-            </a:r>
-            <a:r>
-              <a:rPr lang="fr-BE" altLang="fr-FR" sz="2400" dirty="0" smtClean="0">
-                <a:solidFill>
-                  <a:schemeClr val="accent2"/>
-                </a:solidFill>
-              </a:rPr>
-              <a:t>mon </a:t>
-            </a:r>
-            <a:r>
-              <a:rPr lang="fr-BE" altLang="fr-FR" sz="2400" dirty="0">
-                <a:solidFill>
-                  <a:schemeClr val="accent2"/>
-                </a:solidFill>
-              </a:rPr>
-              <a:t>erreur </a:t>
-            </a:r>
-            <a:r>
-              <a:rPr lang="fr-BE" altLang="fr-FR" sz="2400" dirty="0" smtClean="0">
-                <a:solidFill>
-                  <a:schemeClr val="accent2"/>
-                </a:solidFill>
-              </a:rPr>
-              <a:t>est » + value</a:t>
-            </a:r>
-            <a:endParaRPr lang="fr-BE" altLang="fr-FR" sz="2400" dirty="0">
-              <a:solidFill>
-                <a:schemeClr val="accent2"/>
-              </a:solidFill>
-            </a:endParaRPr>
-          </a:p>
-        </p:txBody>
-      </p:sp>
-    </p:spTree>
-    <p:extLst>
-      <p:ext uri="{BB962C8B-B14F-4D97-AF65-F5344CB8AC3E}">
-        <p14:creationId xmlns:p14="http://schemas.microsoft.com/office/powerpoint/2010/main" val="1681714992"/>
-      </p:ext>
-    </p:extLst>
-  </p:cSld>
-  <p:clrMapOvr>
-    <a:masterClrMapping/>
-  </p:clrMapOvr>
-</p:sld>
-</file>
-
-<file path=ppt/slides/slide11.xml><?xml version="1.0" encoding="utf-8"?>
-<p:sld xmlns:a="http://schemas.openxmlformats.org/drawingml/2006/main" xmlns:r="http://schemas.openxmlformats.org/officeDocument/2006/relationships" xmlns:p="http://schemas.openxmlformats.org/presentationml/2006/main">
-  <p:cSld>
-    <p:spTree>
-      <p:nvGrpSpPr>
-        <p:cNvPr id="1" name=""/>
-        <p:cNvGrpSpPr/>
-        <p:nvPr/>
-      </p:nvGrpSpPr>
-      <p:grpSpPr>
-        <a:xfrm>
-          <a:off x="0" y="0"/>
-          <a:ext cx="0" cy="0"/>
-          <a:chOff x="0" y="0"/>
-          <a:chExt cx="0" cy="0"/>
-        </a:xfrm>
-      </p:grpSpPr>
-      <p:sp>
-        <p:nvSpPr>
-          <p:cNvPr id="2" name="Titre 1"/>
-          <p:cNvSpPr>
-            <a:spLocks noGrp="1"/>
-          </p:cNvSpPr>
-          <p:nvPr>
-            <p:ph type="title"/>
-          </p:nvPr>
-        </p:nvSpPr>
-        <p:spPr/>
-        <p:txBody>
-          <a:bodyPr/>
-          <a:lstStyle/>
-          <a:p>
-            <a:r>
-              <a:rPr lang="fr-FR" dirty="0" smtClean="0"/>
               <a:t>Liste des exceptions</a:t>
             </a:r>
             <a:endParaRPr lang="fr-FR" dirty="0"/>
@@ -4223,6 +3842,13 @@
   <p:clrMapOvr>
     <a:masterClrMapping/>
   </p:clrMapOvr>
+  <p:timing>
+    <p:tnLst>
+      <p:par>
+        <p:cTn id="1" dur="indefinite" restart="never" nodeType="tmRoot"/>
+      </p:par>
+    </p:tnLst>
+  </p:timing>
 </p:sld>
 </file>
 
@@ -4385,6 +4011,13 @@
   <p:clrMapOvr>
     <a:masterClrMapping/>
   </p:clrMapOvr>
+  <p:timing>
+    <p:tnLst>
+      <p:par>
+        <p:cTn id="1" dur="indefinite" restart="never" nodeType="tmRoot"/>
+      </p:par>
+    </p:tnLst>
+  </p:timing>
 </p:sld>
 </file>
 
@@ -4706,6 +4339,13 @@
   <p:clrMapOvr>
     <a:masterClrMapping/>
   </p:clrMapOvr>
+  <p:timing>
+    <p:tnLst>
+      <p:par>
+        <p:cTn id="1" dur="indefinite" restart="never" nodeType="tmRoot"/>
+      </p:par>
+    </p:tnLst>
+  </p:timing>
 </p:sld>
 </file>
 
@@ -4897,6 +4537,13 @@
   <p:clrMapOvr>
     <a:masterClrMapping/>
   </p:clrMapOvr>
+  <p:timing>
+    <p:tnLst>
+      <p:par>
+        <p:cTn id="1" dur="indefinite" restart="never" nodeType="tmRoot"/>
+      </p:par>
+    </p:tnLst>
+  </p:timing>
 </p:sld>
 </file>
 
@@ -5019,6 +4666,13 @@
   <p:clrMapOvr>
     <a:masterClrMapping/>
   </p:clrMapOvr>
+  <p:timing>
+    <p:tnLst>
+      <p:par>
+        <p:cTn id="1" dur="indefinite" restart="never" nodeType="tmRoot"/>
+      </p:par>
+    </p:tnLst>
+  </p:timing>
 </p:sld>
 </file>
 
@@ -5125,6 +4779,13 @@
   <p:clrMapOvr>
     <a:masterClrMapping/>
   </p:clrMapOvr>
+  <p:timing>
+    <p:tnLst>
+      <p:par>
+        <p:cTn id="1" dur="indefinite" restart="never" nodeType="tmRoot"/>
+      </p:par>
+    </p:tnLst>
+  </p:timing>
 </p:sld>
 </file>
 
@@ -5225,6 +4886,13 @@
   <p:clrMapOvr>
     <a:masterClrMapping/>
   </p:clrMapOvr>
+  <p:timing>
+    <p:tnLst>
+      <p:par>
+        <p:cTn id="1" dur="indefinite" restart="never" nodeType="tmRoot"/>
+      </p:par>
+    </p:tnLst>
+  </p:timing>
 </p:sld>
 </file>
 
@@ -5336,6 +5004,13 @@
   <p:clrMapOvr>
     <a:masterClrMapping/>
   </p:clrMapOvr>
+  <p:timing>
+    <p:tnLst>
+      <p:par>
+        <p:cTn id="1" dur="indefinite" restart="never" nodeType="tmRoot"/>
+      </p:par>
+    </p:tnLst>
+  </p:timing>
 </p:sld>
 </file>
 
@@ -5434,6 +5109,13 @@
   <p:clrMapOvr>
     <a:masterClrMapping/>
   </p:clrMapOvr>
+  <p:timing>
+    <p:tnLst>
+      <p:par>
+        <p:cTn id="1" dur="indefinite" restart="never" nodeType="tmRoot"/>
+      </p:par>
+    </p:tnLst>
+  </p:timing>
 </p:sld>
 </file>
 
